--- a/study/old/jvm原理.pptx
+++ b/study/old/jvm原理.pptx
@@ -8853,8 +8853,8 @@
         </p:nvSpPr>
         <p:spPr>
           <a:xfrm>
-            <a:off x="8460432" y="5377780"/>
-            <a:ext cx="492443" cy="215444"/>
+            <a:off x="7588100" y="5089748"/>
+            <a:ext cx="1261884" cy="523220"/>
           </a:xfrm>
           <a:prstGeom prst="rect">
             <a:avLst/>
@@ -8868,7 +8868,7 @@
           <a:lstStyle/>
           <a:p>
             <a:r>
-              <a:rPr lang="zh-CN" altLang="en-US" sz="800">
+              <a:rPr lang="zh-CN" altLang="en-US" sz="2800">
                 <a:solidFill>
                   <a:schemeClr val="accent2">
                     <a:lumMod val="60000"/>
@@ -8880,7 +8880,7 @@
               </a:rPr>
               <a:t>曹峻铭</a:t>
             </a:r>
-            <a:endParaRPr lang="en-US" altLang="zh-CN" sz="800" dirty="0">
+            <a:endParaRPr lang="en-US" altLang="zh-CN" sz="2800" dirty="0">
               <a:solidFill>
                 <a:schemeClr val="accent2">
                   <a:lumMod val="60000"/>

--- a/study/old/jvm原理.pptx
+++ b/study/old/jvm原理.pptx
@@ -192,6 +192,10 @@
 </p:presentation>
 </file>
 
+<file path=ppt/revisionInfo.xml><?xml version="1.0" encoding="utf-8"?>
+<p1510:revInfo xmlns:a="http://schemas.openxmlformats.org/drawingml/2006/main" xmlns:r="http://schemas.openxmlformats.org/officeDocument/2006/relationships" xmlns:p1510="http://schemas.microsoft.com/office/powerpoint/2015/10/main"/>
+</file>
+
 <file path=ppt/notesMasters/notesMaster1.xml><?xml version="1.0" encoding="utf-8"?>
 <p:notesMaster xmlns:a="http://schemas.openxmlformats.org/drawingml/2006/main" xmlns:r="http://schemas.openxmlformats.org/officeDocument/2006/relationships" xmlns:p="http://schemas.openxmlformats.org/presentationml/2006/main">
   <p:cSld>
@@ -274,7 +278,7 @@
           <a:p>
             <a:fld id="{680C2DAC-485C-4A74-A0DE-A9BBA56CF12C}" type="datetimeFigureOut">
               <a:rPr lang="zh-CN" altLang="en-US" smtClean="0"/>
-              <a:t>2017/10/30</a:t>
+              <a:t>2017/11/4</a:t>
             </a:fld>
             <a:endParaRPr lang="zh-CN" altLang="en-US"/>
           </a:p>
@@ -6012,7 +6016,7 @@
           <a:p>
             <a:fld id="{129C2050-CCEB-4EA1-ACF4-509524BDF3BE}" type="datetimeFigureOut">
               <a:rPr lang="zh-CN" altLang="en-US" smtClean="0"/>
-              <a:t>2017/10/30</a:t>
+              <a:t>2017/11/4</a:t>
             </a:fld>
             <a:endParaRPr lang="zh-CN" altLang="en-US"/>
           </a:p>
@@ -6175,7 +6179,7 @@
           <a:p>
             <a:fld id="{129C2050-CCEB-4EA1-ACF4-509524BDF3BE}" type="datetimeFigureOut">
               <a:rPr lang="zh-CN" altLang="en-US" smtClean="0"/>
-              <a:t>2017/10/30</a:t>
+              <a:t>2017/11/4</a:t>
             </a:fld>
             <a:endParaRPr lang="zh-CN" altLang="en-US"/>
           </a:p>
@@ -6348,7 +6352,7 @@
           <a:p>
             <a:fld id="{129C2050-CCEB-4EA1-ACF4-509524BDF3BE}" type="datetimeFigureOut">
               <a:rPr lang="zh-CN" altLang="en-US" smtClean="0"/>
-              <a:t>2017/10/30</a:t>
+              <a:t>2017/11/4</a:t>
             </a:fld>
             <a:endParaRPr lang="zh-CN" altLang="en-US"/>
           </a:p>
@@ -6511,7 +6515,7 @@
           <a:p>
             <a:fld id="{129C2050-CCEB-4EA1-ACF4-509524BDF3BE}" type="datetimeFigureOut">
               <a:rPr lang="zh-CN" altLang="en-US" smtClean="0"/>
-              <a:t>2017/10/30</a:t>
+              <a:t>2017/11/4</a:t>
             </a:fld>
             <a:endParaRPr lang="zh-CN" altLang="en-US"/>
           </a:p>
@@ -6751,7 +6755,7 @@
           <a:p>
             <a:fld id="{129C2050-CCEB-4EA1-ACF4-509524BDF3BE}" type="datetimeFigureOut">
               <a:rPr lang="zh-CN" altLang="en-US" smtClean="0"/>
-              <a:t>2017/10/30</a:t>
+              <a:t>2017/11/4</a:t>
             </a:fld>
             <a:endParaRPr lang="zh-CN" altLang="en-US"/>
           </a:p>
@@ -7031,7 +7035,7 @@
           <a:p>
             <a:fld id="{129C2050-CCEB-4EA1-ACF4-509524BDF3BE}" type="datetimeFigureOut">
               <a:rPr lang="zh-CN" altLang="en-US" smtClean="0"/>
-              <a:t>2017/10/30</a:t>
+              <a:t>2017/11/4</a:t>
             </a:fld>
             <a:endParaRPr lang="zh-CN" altLang="en-US"/>
           </a:p>
@@ -7450,7 +7454,7 @@
           <a:p>
             <a:fld id="{129C2050-CCEB-4EA1-ACF4-509524BDF3BE}" type="datetimeFigureOut">
               <a:rPr lang="zh-CN" altLang="en-US" smtClean="0"/>
-              <a:t>2017/10/30</a:t>
+              <a:t>2017/11/4</a:t>
             </a:fld>
             <a:endParaRPr lang="zh-CN" altLang="en-US"/>
           </a:p>
@@ -7562,7 +7566,7 @@
           <a:p>
             <a:fld id="{129C2050-CCEB-4EA1-ACF4-509524BDF3BE}" type="datetimeFigureOut">
               <a:rPr lang="zh-CN" altLang="en-US" smtClean="0"/>
-              <a:t>2017/10/30</a:t>
+              <a:t>2017/11/4</a:t>
             </a:fld>
             <a:endParaRPr lang="zh-CN" altLang="en-US"/>
           </a:p>
@@ -7652,7 +7656,7 @@
           <a:p>
             <a:fld id="{129C2050-CCEB-4EA1-ACF4-509524BDF3BE}" type="datetimeFigureOut">
               <a:rPr lang="zh-CN" altLang="en-US" smtClean="0"/>
-              <a:t>2017/10/30</a:t>
+              <a:t>2017/11/4</a:t>
             </a:fld>
             <a:endParaRPr lang="zh-CN" altLang="en-US"/>
           </a:p>
@@ -7922,7 +7926,7 @@
           <a:p>
             <a:fld id="{129C2050-CCEB-4EA1-ACF4-509524BDF3BE}" type="datetimeFigureOut">
               <a:rPr lang="zh-CN" altLang="en-US" smtClean="0"/>
-              <a:t>2017/10/30</a:t>
+              <a:t>2017/11/4</a:t>
             </a:fld>
             <a:endParaRPr lang="zh-CN" altLang="en-US"/>
           </a:p>
@@ -8169,7 +8173,7 @@
           <a:p>
             <a:fld id="{129C2050-CCEB-4EA1-ACF4-509524BDF3BE}" type="datetimeFigureOut">
               <a:rPr lang="zh-CN" altLang="en-US" smtClean="0"/>
-              <a:t>2017/10/30</a:t>
+              <a:t>2017/11/4</a:t>
             </a:fld>
             <a:endParaRPr lang="zh-CN" altLang="en-US"/>
           </a:p>
@@ -8384,7 +8388,7 @@
           <a:p>
             <a:fld id="{129C2050-CCEB-4EA1-ACF4-509524BDF3BE}" type="datetimeFigureOut">
               <a:rPr lang="zh-CN" altLang="en-US" smtClean="0"/>
-              <a:t>2017/10/30</a:t>
+              <a:t>2017/11/4</a:t>
             </a:fld>
             <a:endParaRPr lang="zh-CN" altLang="en-US"/>
           </a:p>
@@ -10242,12 +10246,8 @@
               <a:t>可达性分析后没有</a:t>
             </a:r>
             <a:r>
-              <a:rPr lang="en-US" altLang="zh-CN" dirty="0" err="1"/>
-              <a:t>Referece</a:t>
-            </a:r>
-            <a:r>
               <a:rPr lang="en-US" altLang="zh-CN" dirty="0"/>
-              <a:t> Chain, </a:t>
+              <a:t>Reference Chain, </a:t>
             </a:r>
             <a:r>
               <a:rPr lang="zh-CN" altLang="en-US" dirty="0"/>
@@ -17428,7 +17428,15 @@
             </a:pPr>
             <a:r>
               <a:rPr lang="zh-CN" altLang="en-US" dirty="0"/>
-              <a:t>如果是基本类型数组，标记数组与类加载器关联</a:t>
+              <a:t>如果是基本类型数组，标记</a:t>
+            </a:r>
+            <a:r>
+              <a:rPr lang="zh-CN" altLang="en-US"/>
+              <a:t>数组与引导类</a:t>
+            </a:r>
+            <a:r>
+              <a:rPr lang="zh-CN" altLang="en-US" dirty="0"/>
+              <a:t>加载器关联</a:t>
             </a:r>
             <a:endParaRPr lang="en-US" altLang="zh-CN" dirty="0"/>
           </a:p>
